--- a/output/sdud-tobacco-cessation.pptx
+++ b/output/sdud-tobacco-cessation.pptx
@@ -7,12 +7,13 @@
     <p:sldMasterId id="2147483658" r:id="rId3"/>
   </p:sldMasterIdLst>
   <p:notesMasterIdLst>
-    <p:notesMasterId r:id="rId7"/>
+    <p:notesMasterId r:id="rId8"/>
   </p:notesMasterIdLst>
   <p:sldIdLst>
     <p:sldId id="256" r:id="rId4"/>
     <p:sldId id="257" r:id="rId5"/>
     <p:sldId id="258" r:id="rId6"/>
+    <p:sldId id="259" r:id="rId7"/>
   </p:sldIdLst>
   <p:sldSz cx="12192000" cy="6858000"/>
   <p:notesSz cx="6858000" cy="9144000"/>
@@ -201,7 +202,7 @@
           <a:p>
             <a:fld id="{31A974AA-D9F5-424C-A02C-9B3E2DB465DA}" type="datetimeFigureOut">
               <a:rPr lang="en-US" smtClean="0"/>
-              <a:t>10/19/2017</a:t>
+              <a:t>3/7/2022</a:t>
             </a:fld>
             <a:endParaRPr lang="en-US"/>
           </a:p>
@@ -265,38 +266,37 @@
           <a:p>
             <a:pPr lvl="0"/>
             <a:r>
-              <a:rPr lang="en-US" smtClean="0"/>
+              <a:rPr lang="en-US"/>
               <a:t>Click to edit Master text styles</a:t>
             </a:r>
           </a:p>
           <a:p>
             <a:pPr lvl="1"/>
             <a:r>
-              <a:rPr lang="en-US" smtClean="0"/>
+              <a:rPr lang="en-US"/>
               <a:t>Second level</a:t>
             </a:r>
           </a:p>
           <a:p>
             <a:pPr lvl="2"/>
             <a:r>
-              <a:rPr lang="en-US" smtClean="0"/>
+              <a:rPr lang="en-US"/>
               <a:t>Third level</a:t>
             </a:r>
           </a:p>
           <a:p>
             <a:pPr lvl="3"/>
             <a:r>
-              <a:rPr lang="en-US" smtClean="0"/>
+              <a:rPr lang="en-US"/>
               <a:t>Fourth level</a:t>
             </a:r>
           </a:p>
           <a:p>
             <a:pPr lvl="4"/>
             <a:r>
-              <a:rPr lang="en-US" smtClean="0"/>
+              <a:rPr lang="en-US"/>
               <a:t>Fifth level</a:t>
             </a:r>
-            <a:endParaRPr lang="en-US"/>
           </a:p>
         </p:txBody>
       </p:sp>
@@ -511,10 +511,9 @@
           </a:lstStyle>
           <a:p>
             <a:r>
-              <a:rPr lang="en-US" smtClean="0"/>
+              <a:rPr lang="en-US"/>
               <a:t>Click to edit Master title style</a:t>
             </a:r>
-            <a:endParaRPr lang="en-US"/>
           </a:p>
         </p:txBody>
       </p:sp>
@@ -576,10 +575,9 @@
           </a:lstStyle>
           <a:p>
             <a:r>
-              <a:rPr lang="en-US" smtClean="0"/>
+              <a:rPr lang="en-US"/>
               <a:t>Click to edit Master subtitle style</a:t>
             </a:r>
-            <a:endParaRPr lang="en-US"/>
           </a:p>
         </p:txBody>
       </p:sp>
@@ -593,13 +591,6 @@
   <p:clrMapOvr>
     <a:masterClrMapping/>
   </p:clrMapOvr>
-  <p:timing>
-    <p:tnLst>
-      <p:par>
-        <p:cTn id="1" dur="indefinite" restart="never" nodeType="tmRoot"/>
-      </p:par>
-    </p:tnLst>
-  </p:timing>
 </p:sldLayout>
 </file>
 
@@ -636,10 +627,9 @@
           <a:lstStyle/>
           <a:p>
             <a:r>
-              <a:rPr lang="en-US" smtClean="0"/>
+              <a:rPr lang="en-US"/>
               <a:t>Click to edit Master title style</a:t>
             </a:r>
-            <a:endParaRPr lang="en-US"/>
           </a:p>
         </p:txBody>
       </p:sp>
@@ -660,38 +650,37 @@
           <a:p>
             <a:pPr lvl="0"/>
             <a:r>
-              <a:rPr lang="en-US" smtClean="0"/>
+              <a:rPr lang="en-US"/>
               <a:t>Click to edit Master text styles</a:t>
             </a:r>
           </a:p>
           <a:p>
             <a:pPr lvl="1"/>
             <a:r>
-              <a:rPr lang="en-US" smtClean="0"/>
+              <a:rPr lang="en-US"/>
               <a:t>Second level</a:t>
             </a:r>
           </a:p>
           <a:p>
             <a:pPr lvl="2"/>
             <a:r>
-              <a:rPr lang="en-US" smtClean="0"/>
+              <a:rPr lang="en-US"/>
               <a:t>Third level</a:t>
             </a:r>
           </a:p>
           <a:p>
             <a:pPr lvl="3"/>
             <a:r>
-              <a:rPr lang="en-US" smtClean="0"/>
+              <a:rPr lang="en-US"/>
               <a:t>Fourth level</a:t>
             </a:r>
           </a:p>
           <a:p>
             <a:pPr lvl="4"/>
             <a:r>
-              <a:rPr lang="en-US" smtClean="0"/>
+              <a:rPr lang="en-US"/>
               <a:t>Fifth level</a:t>
             </a:r>
-            <a:endParaRPr lang="en-US"/>
           </a:p>
         </p:txBody>
       </p:sp>
@@ -705,13 +694,6 @@
   <p:clrMapOvr>
     <a:masterClrMapping/>
   </p:clrMapOvr>
-  <p:timing>
-    <p:tnLst>
-      <p:par>
-        <p:cTn id="1" dur="indefinite" restart="never" nodeType="tmRoot"/>
-      </p:par>
-    </p:tnLst>
-  </p:timing>
 </p:sldLayout>
 </file>
 
@@ -757,10 +739,9 @@
           </a:lstStyle>
           <a:p>
             <a:r>
-              <a:rPr lang="en-US" smtClean="0"/>
+              <a:rPr lang="en-US"/>
               <a:t>Click to edit Master title style</a:t>
             </a:r>
-            <a:endParaRPr lang="en-US"/>
           </a:p>
         </p:txBody>
       </p:sp>
@@ -877,7 +858,7 @@
           <a:p>
             <a:pPr lvl="0"/>
             <a:r>
-              <a:rPr lang="en-US" smtClean="0"/>
+              <a:rPr lang="en-US"/>
               <a:t>Click to edit Master text styles</a:t>
             </a:r>
           </a:p>
@@ -893,13 +874,6 @@
   <p:clrMapOvr>
     <a:masterClrMapping/>
   </p:clrMapOvr>
-  <p:timing>
-    <p:tnLst>
-      <p:par>
-        <p:cTn id="1" dur="indefinite" restart="never" nodeType="tmRoot"/>
-      </p:par>
-    </p:tnLst>
-  </p:timing>
 </p:sldLayout>
 </file>
 
@@ -936,10 +910,9 @@
           <a:lstStyle/>
           <a:p>
             <a:r>
-              <a:rPr lang="en-US" smtClean="0"/>
+              <a:rPr lang="en-US"/>
               <a:t>Click to edit Master title style</a:t>
             </a:r>
-            <a:endParaRPr lang="en-US"/>
           </a:p>
         </p:txBody>
       </p:sp>
@@ -965,38 +938,37 @@
           <a:p>
             <a:pPr lvl="0"/>
             <a:r>
-              <a:rPr lang="en-US" smtClean="0"/>
+              <a:rPr lang="en-US"/>
               <a:t>Click to edit Master text styles</a:t>
             </a:r>
           </a:p>
           <a:p>
             <a:pPr lvl="1"/>
             <a:r>
-              <a:rPr lang="en-US" smtClean="0"/>
+              <a:rPr lang="en-US"/>
               <a:t>Second level</a:t>
             </a:r>
           </a:p>
           <a:p>
             <a:pPr lvl="2"/>
             <a:r>
-              <a:rPr lang="en-US" smtClean="0"/>
+              <a:rPr lang="en-US"/>
               <a:t>Third level</a:t>
             </a:r>
           </a:p>
           <a:p>
             <a:pPr lvl="3"/>
             <a:r>
-              <a:rPr lang="en-US" smtClean="0"/>
+              <a:rPr lang="en-US"/>
               <a:t>Fourth level</a:t>
             </a:r>
           </a:p>
           <a:p>
             <a:pPr lvl="4"/>
             <a:r>
-              <a:rPr lang="en-US" smtClean="0"/>
+              <a:rPr lang="en-US"/>
               <a:t>Fifth level</a:t>
             </a:r>
-            <a:endParaRPr lang="en-US"/>
           </a:p>
         </p:txBody>
       </p:sp>
@@ -1022,38 +994,37 @@
           <a:p>
             <a:pPr lvl="0"/>
             <a:r>
-              <a:rPr lang="en-US" smtClean="0"/>
+              <a:rPr lang="en-US"/>
               <a:t>Click to edit Master text styles</a:t>
             </a:r>
           </a:p>
           <a:p>
             <a:pPr lvl="1"/>
             <a:r>
-              <a:rPr lang="en-US" smtClean="0"/>
+              <a:rPr lang="en-US"/>
               <a:t>Second level</a:t>
             </a:r>
           </a:p>
           <a:p>
             <a:pPr lvl="2"/>
             <a:r>
-              <a:rPr lang="en-US" smtClean="0"/>
+              <a:rPr lang="en-US"/>
               <a:t>Third level</a:t>
             </a:r>
           </a:p>
           <a:p>
             <a:pPr lvl="3"/>
             <a:r>
-              <a:rPr lang="en-US" smtClean="0"/>
+              <a:rPr lang="en-US"/>
               <a:t>Fourth level</a:t>
             </a:r>
           </a:p>
           <a:p>
             <a:pPr lvl="4"/>
             <a:r>
-              <a:rPr lang="en-US" smtClean="0"/>
+              <a:rPr lang="en-US"/>
               <a:t>Fifth level</a:t>
             </a:r>
-            <a:endParaRPr lang="en-US"/>
           </a:p>
         </p:txBody>
       </p:sp>
@@ -1067,13 +1038,6 @@
   <p:clrMapOvr>
     <a:masterClrMapping/>
   </p:clrMapOvr>
-  <p:timing>
-    <p:tnLst>
-      <p:par>
-        <p:cTn id="1" dur="indefinite" restart="never" nodeType="tmRoot"/>
-      </p:par>
-    </p:tnLst>
-  </p:timing>
 </p:sldLayout>
 </file>
 
@@ -1110,10 +1074,9 @@
           <a:lstStyle/>
           <a:p>
             <a:r>
-              <a:rPr lang="en-US" smtClean="0"/>
+              <a:rPr lang="en-US"/>
               <a:t>Click to edit Master title style</a:t>
             </a:r>
-            <a:endParaRPr lang="en-US"/>
           </a:p>
         </p:txBody>
       </p:sp>
@@ -1134,38 +1097,37 @@
           <a:p>
             <a:pPr lvl="0"/>
             <a:r>
-              <a:rPr lang="en-US" smtClean="0"/>
+              <a:rPr lang="en-US"/>
               <a:t>Click to edit Master text styles</a:t>
             </a:r>
           </a:p>
           <a:p>
             <a:pPr lvl="1"/>
             <a:r>
-              <a:rPr lang="en-US" smtClean="0"/>
+              <a:rPr lang="en-US"/>
               <a:t>Second level</a:t>
             </a:r>
           </a:p>
           <a:p>
             <a:pPr lvl="2"/>
             <a:r>
-              <a:rPr lang="en-US" smtClean="0"/>
+              <a:rPr lang="en-US"/>
               <a:t>Third level</a:t>
             </a:r>
           </a:p>
           <a:p>
             <a:pPr lvl="3"/>
             <a:r>
-              <a:rPr lang="en-US" smtClean="0"/>
+              <a:rPr lang="en-US"/>
               <a:t>Fourth level</a:t>
             </a:r>
           </a:p>
           <a:p>
             <a:pPr lvl="4"/>
             <a:r>
-              <a:rPr lang="en-US" smtClean="0"/>
+              <a:rPr lang="en-US"/>
               <a:t>Fifth level</a:t>
             </a:r>
-            <a:endParaRPr lang="en-US"/>
           </a:p>
         </p:txBody>
       </p:sp>
@@ -1179,13 +1141,6 @@
   <p:clrMapOvr>
     <a:masterClrMapping/>
   </p:clrMapOvr>
-  <p:timing>
-    <p:tnLst>
-      <p:par>
-        <p:cTn id="1" dur="indefinite" restart="never" nodeType="tmRoot"/>
-      </p:par>
-    </p:tnLst>
-  </p:timing>
 </p:sldLayout>
 </file>
 
@@ -1231,10 +1186,9 @@
           </a:lstStyle>
           <a:p>
             <a:r>
-              <a:rPr lang="en-US" smtClean="0"/>
+              <a:rPr lang="en-US"/>
               <a:t>Click to edit Master title style</a:t>
             </a:r>
-            <a:endParaRPr lang="en-US"/>
           </a:p>
         </p:txBody>
       </p:sp>
@@ -1351,7 +1305,7 @@
           <a:p>
             <a:pPr lvl="0"/>
             <a:r>
-              <a:rPr lang="en-US" smtClean="0"/>
+              <a:rPr lang="en-US"/>
               <a:t>Click to edit Master text styles</a:t>
             </a:r>
           </a:p>
@@ -1403,10 +1357,9 @@
           <a:lstStyle/>
           <a:p>
             <a:r>
-              <a:rPr lang="en-US" smtClean="0"/>
+              <a:rPr lang="en-US"/>
               <a:t>Click to edit Master title style</a:t>
             </a:r>
-            <a:endParaRPr lang="en-US"/>
           </a:p>
         </p:txBody>
       </p:sp>
@@ -1432,38 +1385,37 @@
           <a:p>
             <a:pPr lvl="0"/>
             <a:r>
-              <a:rPr lang="en-US" smtClean="0"/>
+              <a:rPr lang="en-US"/>
               <a:t>Click to edit Master text styles</a:t>
             </a:r>
           </a:p>
           <a:p>
             <a:pPr lvl="1"/>
             <a:r>
-              <a:rPr lang="en-US" smtClean="0"/>
+              <a:rPr lang="en-US"/>
               <a:t>Second level</a:t>
             </a:r>
           </a:p>
           <a:p>
             <a:pPr lvl="2"/>
             <a:r>
-              <a:rPr lang="en-US" smtClean="0"/>
+              <a:rPr lang="en-US"/>
               <a:t>Third level</a:t>
             </a:r>
           </a:p>
           <a:p>
             <a:pPr lvl="3"/>
             <a:r>
-              <a:rPr lang="en-US" smtClean="0"/>
+              <a:rPr lang="en-US"/>
               <a:t>Fourth level</a:t>
             </a:r>
           </a:p>
           <a:p>
             <a:pPr lvl="4"/>
             <a:r>
-              <a:rPr lang="en-US" smtClean="0"/>
+              <a:rPr lang="en-US"/>
               <a:t>Fifth level</a:t>
             </a:r>
-            <a:endParaRPr lang="en-US"/>
           </a:p>
         </p:txBody>
       </p:sp>
@@ -1489,38 +1441,37 @@
           <a:p>
             <a:pPr lvl="0"/>
             <a:r>
-              <a:rPr lang="en-US" smtClean="0"/>
+              <a:rPr lang="en-US"/>
               <a:t>Click to edit Master text styles</a:t>
             </a:r>
           </a:p>
           <a:p>
             <a:pPr lvl="1"/>
             <a:r>
-              <a:rPr lang="en-US" smtClean="0"/>
+              <a:rPr lang="en-US"/>
               <a:t>Second level</a:t>
             </a:r>
           </a:p>
           <a:p>
             <a:pPr lvl="2"/>
             <a:r>
-              <a:rPr lang="en-US" smtClean="0"/>
+              <a:rPr lang="en-US"/>
               <a:t>Third level</a:t>
             </a:r>
           </a:p>
           <a:p>
             <a:pPr lvl="3"/>
             <a:r>
-              <a:rPr lang="en-US" smtClean="0"/>
+              <a:rPr lang="en-US"/>
               <a:t>Fourth level</a:t>
             </a:r>
           </a:p>
           <a:p>
             <a:pPr lvl="4"/>
             <a:r>
-              <a:rPr lang="en-US" smtClean="0"/>
+              <a:rPr lang="en-US"/>
               <a:t>Fifth level</a:t>
             </a:r>
-            <a:endParaRPr lang="en-US"/>
           </a:p>
         </p:txBody>
       </p:sp>
@@ -1534,13 +1485,6 @@
   <p:clrMapOvr>
     <a:masterClrMapping/>
   </p:clrMapOvr>
-  <p:timing>
-    <p:tnLst>
-      <p:par>
-        <p:cTn id="1" dur="indefinite" restart="never" nodeType="tmRoot"/>
-      </p:par>
-    </p:tnLst>
-  </p:timing>
 </p:sldLayout>
 </file>
 
@@ -1600,10 +1544,9 @@
           </a:lstStyle>
           <a:p>
             <a:r>
-              <a:rPr lang="en-US" smtClean="0"/>
+              <a:rPr lang="en-US"/>
               <a:t>Click to edit Master title style</a:t>
             </a:r>
-            <a:endParaRPr lang="en-US"/>
           </a:p>
         </p:txBody>
       </p:sp>
@@ -1665,10 +1608,9 @@
           </a:lstStyle>
           <a:p>
             <a:r>
-              <a:rPr lang="en-US" smtClean="0"/>
+              <a:rPr lang="en-US"/>
               <a:t>Click to edit Master subtitle style</a:t>
             </a:r>
-            <a:endParaRPr lang="en-US"/>
           </a:p>
         </p:txBody>
       </p:sp>
@@ -1718,10 +1660,9 @@
           <a:lstStyle/>
           <a:p>
             <a:r>
-              <a:rPr lang="en-US" smtClean="0"/>
+              <a:rPr lang="en-US"/>
               <a:t>Click to edit Master title style</a:t>
             </a:r>
-            <a:endParaRPr lang="en-US"/>
           </a:p>
         </p:txBody>
       </p:sp>
@@ -1742,38 +1683,37 @@
           <a:p>
             <a:pPr lvl="0"/>
             <a:r>
-              <a:rPr lang="en-US" smtClean="0"/>
+              <a:rPr lang="en-US"/>
               <a:t>Click to edit Master text styles</a:t>
             </a:r>
           </a:p>
           <a:p>
             <a:pPr lvl="1"/>
             <a:r>
-              <a:rPr lang="en-US" smtClean="0"/>
+              <a:rPr lang="en-US"/>
               <a:t>Second level</a:t>
             </a:r>
           </a:p>
           <a:p>
             <a:pPr lvl="2"/>
             <a:r>
-              <a:rPr lang="en-US" smtClean="0"/>
+              <a:rPr lang="en-US"/>
               <a:t>Third level</a:t>
             </a:r>
           </a:p>
           <a:p>
             <a:pPr lvl="3"/>
             <a:r>
-              <a:rPr lang="en-US" smtClean="0"/>
+              <a:rPr lang="en-US"/>
               <a:t>Fourth level</a:t>
             </a:r>
           </a:p>
           <a:p>
             <a:pPr lvl="4"/>
             <a:r>
-              <a:rPr lang="en-US" smtClean="0"/>
+              <a:rPr lang="en-US"/>
               <a:t>Fifth level</a:t>
             </a:r>
-            <a:endParaRPr lang="en-US"/>
           </a:p>
         </p:txBody>
       </p:sp>
@@ -1832,10 +1772,9 @@
           </a:lstStyle>
           <a:p>
             <a:r>
-              <a:rPr lang="en-US" smtClean="0"/>
+              <a:rPr lang="en-US"/>
               <a:t>Click to edit Master title style</a:t>
             </a:r>
-            <a:endParaRPr lang="en-US"/>
           </a:p>
         </p:txBody>
       </p:sp>
@@ -1952,7 +1891,7 @@
           <a:p>
             <a:pPr lvl="0"/>
             <a:r>
-              <a:rPr lang="en-US" smtClean="0"/>
+              <a:rPr lang="en-US"/>
               <a:t>Click to edit Master text styles</a:t>
             </a:r>
           </a:p>
@@ -2004,10 +1943,9 @@
           <a:lstStyle/>
           <a:p>
             <a:r>
-              <a:rPr lang="en-US" smtClean="0"/>
+              <a:rPr lang="en-US"/>
               <a:t>Click to edit Master title style</a:t>
             </a:r>
-            <a:endParaRPr lang="en-US"/>
           </a:p>
         </p:txBody>
       </p:sp>
@@ -2033,38 +1971,37 @@
           <a:p>
             <a:pPr lvl="0"/>
             <a:r>
-              <a:rPr lang="en-US" smtClean="0"/>
+              <a:rPr lang="en-US"/>
               <a:t>Click to edit Master text styles</a:t>
             </a:r>
           </a:p>
           <a:p>
             <a:pPr lvl="1"/>
             <a:r>
-              <a:rPr lang="en-US" smtClean="0"/>
+              <a:rPr lang="en-US"/>
               <a:t>Second level</a:t>
             </a:r>
           </a:p>
           <a:p>
             <a:pPr lvl="2"/>
             <a:r>
-              <a:rPr lang="en-US" smtClean="0"/>
+              <a:rPr lang="en-US"/>
               <a:t>Third level</a:t>
             </a:r>
           </a:p>
           <a:p>
             <a:pPr lvl="3"/>
             <a:r>
-              <a:rPr lang="en-US" smtClean="0"/>
+              <a:rPr lang="en-US"/>
               <a:t>Fourth level</a:t>
             </a:r>
           </a:p>
           <a:p>
             <a:pPr lvl="4"/>
             <a:r>
-              <a:rPr lang="en-US" smtClean="0"/>
+              <a:rPr lang="en-US"/>
               <a:t>Fifth level</a:t>
             </a:r>
-            <a:endParaRPr lang="en-US"/>
           </a:p>
         </p:txBody>
       </p:sp>
@@ -2090,38 +2027,37 @@
           <a:p>
             <a:pPr lvl="0"/>
             <a:r>
-              <a:rPr lang="en-US" smtClean="0"/>
+              <a:rPr lang="en-US"/>
               <a:t>Click to edit Master text styles</a:t>
             </a:r>
           </a:p>
           <a:p>
             <a:pPr lvl="1"/>
             <a:r>
-              <a:rPr lang="en-US" smtClean="0"/>
+              <a:rPr lang="en-US"/>
               <a:t>Second level</a:t>
             </a:r>
           </a:p>
           <a:p>
             <a:pPr lvl="2"/>
             <a:r>
-              <a:rPr lang="en-US" smtClean="0"/>
+              <a:rPr lang="en-US"/>
               <a:t>Third level</a:t>
             </a:r>
           </a:p>
           <a:p>
             <a:pPr lvl="3"/>
             <a:r>
-              <a:rPr lang="en-US" smtClean="0"/>
+              <a:rPr lang="en-US"/>
               <a:t>Fourth level</a:t>
             </a:r>
           </a:p>
           <a:p>
             <a:pPr lvl="4"/>
             <a:r>
-              <a:rPr lang="en-US" smtClean="0"/>
+              <a:rPr lang="en-US"/>
               <a:t>Fifth level</a:t>
             </a:r>
-            <a:endParaRPr lang="en-US"/>
           </a:p>
         </p:txBody>
       </p:sp>
@@ -2180,10 +2116,9 @@
           </a:lstStyle>
           <a:p>
             <a:r>
-              <a:rPr lang="en-US" smtClean="0"/>
+              <a:rPr lang="en-US"/>
               <a:t>Click to edit Master title style</a:t>
             </a:r>
-            <a:endParaRPr lang="en-US"/>
           </a:p>
         </p:txBody>
       </p:sp>
@@ -2245,10 +2180,9 @@
           </a:lstStyle>
           <a:p>
             <a:r>
-              <a:rPr lang="en-US" smtClean="0"/>
+              <a:rPr lang="en-US"/>
               <a:t>Click to edit Master subtitle style</a:t>
             </a:r>
-            <a:endParaRPr lang="en-US"/>
           </a:p>
         </p:txBody>
       </p:sp>
@@ -2262,13 +2196,6 @@
   <p:clrMapOvr>
     <a:masterClrMapping/>
   </p:clrMapOvr>
-  <p:timing>
-    <p:tnLst>
-      <p:par>
-        <p:cTn id="1" dur="indefinite" restart="never" nodeType="tmRoot"/>
-      </p:par>
-    </p:tnLst>
-  </p:timing>
 </p:sldLayout>
 </file>
 
@@ -2329,10 +2256,9 @@
           <a:lstStyle/>
           <a:p>
             <a:r>
-              <a:rPr lang="en-US" smtClean="0"/>
+              <a:rPr lang="en-US"/>
               <a:t>Click to edit Master title style</a:t>
             </a:r>
-            <a:endParaRPr lang="en-US"/>
           </a:p>
         </p:txBody>
       </p:sp>
@@ -2363,38 +2289,37 @@
           <a:p>
             <a:pPr lvl="0"/>
             <a:r>
-              <a:rPr lang="en-US" smtClean="0"/>
+              <a:rPr lang="en-US"/>
               <a:t>Click to edit Master text styles</a:t>
             </a:r>
           </a:p>
           <a:p>
             <a:pPr lvl="1"/>
             <a:r>
-              <a:rPr lang="en-US" smtClean="0"/>
+              <a:rPr lang="en-US"/>
               <a:t>Second level</a:t>
             </a:r>
           </a:p>
           <a:p>
             <a:pPr lvl="2"/>
             <a:r>
-              <a:rPr lang="en-US" smtClean="0"/>
+              <a:rPr lang="en-US"/>
               <a:t>Third level</a:t>
             </a:r>
           </a:p>
           <a:p>
             <a:pPr lvl="3"/>
             <a:r>
-              <a:rPr lang="en-US" smtClean="0"/>
+              <a:rPr lang="en-US"/>
               <a:t>Fourth level</a:t>
             </a:r>
           </a:p>
           <a:p>
             <a:pPr lvl="4"/>
             <a:r>
-              <a:rPr lang="en-US" smtClean="0"/>
+              <a:rPr lang="en-US"/>
               <a:t>Fifth level</a:t>
             </a:r>
-            <a:endParaRPr lang="en-US"/>
           </a:p>
         </p:txBody>
       </p:sp>
@@ -2757,13 +2682,6 @@
     <p:sldLayoutId id="2147483656" r:id="rId3"/>
     <p:sldLayoutId id="2147483657" r:id="rId4"/>
   </p:sldLayoutIdLst>
-  <p:timing>
-    <p:tnLst>
-      <p:par>
-        <p:cTn id="1" dur="indefinite" restart="never" nodeType="tmRoot"/>
-      </p:par>
-    </p:tnLst>
-  </p:timing>
   <p:txStyles>
     <p:titleStyle>
       <a:lvl1pPr algn="l" defTabSz="914400" rtl="0" eaLnBrk="1" latinLnBrk="0" hangingPunct="1">
@@ -3104,10 +3022,9 @@
           <a:lstStyle/>
           <a:p>
             <a:r>
-              <a:rPr lang="en-US" dirty="0" smtClean="0"/>
+              <a:rPr lang="en-US" dirty="0"/>
               <a:t>Click to edit Master title style</a:t>
             </a:r>
-            <a:endParaRPr lang="en-US" dirty="0"/>
           </a:p>
         </p:txBody>
       </p:sp>
@@ -3138,38 +3055,37 @@
           <a:p>
             <a:pPr lvl="0"/>
             <a:r>
-              <a:rPr lang="en-US" dirty="0" smtClean="0"/>
+              <a:rPr lang="en-US" dirty="0"/>
               <a:t>Click to edit Master text styles</a:t>
             </a:r>
           </a:p>
           <a:p>
             <a:pPr lvl="1"/>
             <a:r>
-              <a:rPr lang="en-US" dirty="0" smtClean="0"/>
+              <a:rPr lang="en-US" dirty="0"/>
               <a:t>Second level</a:t>
             </a:r>
           </a:p>
           <a:p>
             <a:pPr lvl="2"/>
             <a:r>
-              <a:rPr lang="en-US" dirty="0" smtClean="0"/>
+              <a:rPr lang="en-US" dirty="0"/>
               <a:t>Third level</a:t>
             </a:r>
           </a:p>
           <a:p>
             <a:pPr lvl="3"/>
             <a:r>
-              <a:rPr lang="en-US" dirty="0" smtClean="0"/>
+              <a:rPr lang="en-US" dirty="0"/>
               <a:t>Fourth level</a:t>
             </a:r>
           </a:p>
           <a:p>
             <a:pPr lvl="4"/>
             <a:r>
-              <a:rPr lang="en-US" dirty="0" smtClean="0"/>
+              <a:rPr lang="en-US" dirty="0"/>
               <a:t>Fifth level</a:t>
             </a:r>
-            <a:endParaRPr lang="en-US" dirty="0"/>
           </a:p>
         </p:txBody>
       </p:sp>
@@ -3217,13 +3133,6 @@
     <p:sldLayoutId id="2147483651" r:id="rId3"/>
     <p:sldLayoutId id="2147483652" r:id="rId4"/>
   </p:sldLayoutIdLst>
-  <p:timing>
-    <p:tnLst>
-      <p:par>
-        <p:cTn id="1" dur="indefinite" restart="never" nodeType="tmRoot"/>
-      </p:par>
-    </p:tnLst>
-  </p:timing>
   <p:txStyles>
     <p:titleStyle>
       <a:lvl1pPr algn="l" defTabSz="914400" rtl="0" eaLnBrk="1" latinLnBrk="0" hangingPunct="1">
@@ -3555,10 +3464,9 @@
           <a:lstStyle/>
           <a:p>
             <a:r>
-              <a:rPr lang="en-US" smtClean="0"/>
+              <a:rPr lang="en-US"/>
               <a:t>Click to edit Master title style</a:t>
             </a:r>
-            <a:endParaRPr lang="en-US"/>
           </a:p>
         </p:txBody>
       </p:sp>
@@ -3589,38 +3497,37 @@
           <a:p>
             <a:pPr lvl="0"/>
             <a:r>
-              <a:rPr lang="en-US" smtClean="0"/>
+              <a:rPr lang="en-US"/>
               <a:t>Click to edit Master text styles</a:t>
             </a:r>
           </a:p>
           <a:p>
             <a:pPr lvl="1"/>
             <a:r>
-              <a:rPr lang="en-US" smtClean="0"/>
+              <a:rPr lang="en-US"/>
               <a:t>Second level</a:t>
             </a:r>
           </a:p>
           <a:p>
             <a:pPr lvl="2"/>
             <a:r>
-              <a:rPr lang="en-US" smtClean="0"/>
+              <a:rPr lang="en-US"/>
               <a:t>Third level</a:t>
             </a:r>
           </a:p>
           <a:p>
             <a:pPr lvl="3"/>
             <a:r>
-              <a:rPr lang="en-US" smtClean="0"/>
+              <a:rPr lang="en-US"/>
               <a:t>Fourth level</a:t>
             </a:r>
           </a:p>
           <a:p>
             <a:pPr lvl="4"/>
             <a:r>
-              <a:rPr lang="en-US" smtClean="0"/>
+              <a:rPr lang="en-US"/>
               <a:t>Fifth level</a:t>
             </a:r>
-            <a:endParaRPr lang="en-US"/>
           </a:p>
         </p:txBody>
       </p:sp>
@@ -3668,13 +3575,6 @@
     <p:sldLayoutId id="2147483661" r:id="rId3"/>
     <p:sldLayoutId id="2147483662" r:id="rId4"/>
   </p:sldLayoutIdLst>
-  <p:timing>
-    <p:tnLst>
-      <p:par>
-        <p:cTn id="1" dur="indefinite" restart="never" nodeType="tmRoot"/>
-      </p:par>
-    </p:tnLst>
-  </p:timing>
   <p:txStyles>
     <p:titleStyle>
       <a:lvl1pPr algn="l" defTabSz="914400" rtl="0" eaLnBrk="1" latinLnBrk="0" hangingPunct="1">
@@ -3990,7 +3890,7 @@
           <a:bodyPr/>
           <a:lstStyle/>
           <a:p>
-            <a:endParaRPr lang="en-US"/>
+            <a:endParaRPr lang="en-US" dirty="0"/>
           </a:p>
         </p:txBody>
       </p:sp>
@@ -4043,61 +3943,52 @@
           <a:chExt cx="0" cy="0"/>
         </a:xfrm>
       </p:grpSpPr>
-      <p:sp>
-        <p:nvSpPr>
-          <p:cNvPr id="2" name="Title 1"/>
-          <p:cNvSpPr>
-            <a:spLocks noGrp="1"/>
-          </p:cNvSpPr>
-          <p:nvPr>
-            <p:ph type="ctrTitle"/>
-          </p:nvPr>
-        </p:nvSpPr>
-        <p:spPr/>
-        <p:txBody>
-          <a:bodyPr/>
-          <a:lstStyle/>
-          <a:p>
-            <a:endParaRPr lang="en-US"/>
-          </a:p>
-        </p:txBody>
-      </p:sp>
-      <p:sp>
-        <p:nvSpPr>
-          <p:cNvPr id="3" name="Subtitle 2"/>
-          <p:cNvSpPr>
-            <a:spLocks noGrp="1"/>
-          </p:cNvSpPr>
-          <p:nvPr>
-            <p:ph type="subTitle" idx="1"/>
-          </p:nvPr>
-        </p:nvSpPr>
-        <p:spPr/>
-        <p:txBody>
-          <a:bodyPr/>
-          <a:lstStyle/>
-          <a:p>
-            <a:endParaRPr lang="en-US"/>
-          </a:p>
-        </p:txBody>
-      </p:sp>
+      <p:pic>
+        <p:nvPicPr>
+          <p:cNvPr id="7" name="Picture 6">
+            <a:extLst>
+              <a:ext uri="{FF2B5EF4-FFF2-40B4-BE49-F238E27FC236}">
+                <a16:creationId xmlns:a16="http://schemas.microsoft.com/office/drawing/2014/main" id="{C0DA9432-6FF2-4AD2-8175-248A5186EAE5}"/>
+              </a:ext>
+            </a:extLst>
+          </p:cNvPr>
+          <p:cNvPicPr>
+            <a:picLocks noChangeAspect="1"/>
+          </p:cNvPicPr>
+          <p:nvPr/>
+        </p:nvPicPr>
+        <p:blipFill>
+          <a:blip r:embed="rId2" cstate="print">
+            <a:extLst>
+              <a:ext uri="{28A0092B-C50C-407E-A947-70E740481C1C}">
+                <a14:useLocalDpi xmlns:a14="http://schemas.microsoft.com/office/drawing/2010/main" val="0"/>
+              </a:ext>
+            </a:extLst>
+          </a:blip>
+          <a:stretch>
+            <a:fillRect/>
+          </a:stretch>
+        </p:blipFill>
+        <p:spPr>
+          <a:xfrm>
+            <a:off x="697382" y="233922"/>
+            <a:ext cx="10797236" cy="5998464"/>
+          </a:xfrm>
+          <a:prstGeom prst="rect">
+            <a:avLst/>
+          </a:prstGeom>
+        </p:spPr>
+      </p:pic>
     </p:spTree>
     <p:extLst>
       <p:ext uri="{BB962C8B-B14F-4D97-AF65-F5344CB8AC3E}">
-        <p14:creationId xmlns:p14="http://schemas.microsoft.com/office/powerpoint/2010/main" val="4075120434"/>
+        <p14:creationId xmlns:p14="http://schemas.microsoft.com/office/powerpoint/2010/main" val="2270085200"/>
       </p:ext>
     </p:extLst>
   </p:cSld>
   <p:clrMapOvr>
     <a:masterClrMapping/>
   </p:clrMapOvr>
-  <p:timing>
-    <p:tnLst>
-      <p:par>
-        <p:cTn id="1" dur="indefinite" restart="never" nodeType="tmRoot"/>
-      </p:par>
-    </p:tnLst>
-  </p:timing>
 </p:sld>
 </file>
 
@@ -4118,48 +4009,112 @@
           <a:chExt cx="0" cy="0"/>
         </a:xfrm>
       </p:grpSpPr>
-      <p:sp>
-        <p:nvSpPr>
-          <p:cNvPr id="2" name="Title 1"/>
-          <p:cNvSpPr>
-            <a:spLocks noGrp="1"/>
-          </p:cNvSpPr>
-          <p:nvPr>
-            <p:ph type="ctrTitle"/>
-          </p:nvPr>
-        </p:nvSpPr>
-        <p:spPr/>
-        <p:txBody>
-          <a:bodyPr/>
-          <a:lstStyle/>
-          <a:p>
-            <a:endParaRPr lang="en-US"/>
-          </a:p>
-        </p:txBody>
-      </p:sp>
-      <p:sp>
-        <p:nvSpPr>
-          <p:cNvPr id="3" name="Subtitle 2"/>
-          <p:cNvSpPr>
-            <a:spLocks noGrp="1"/>
-          </p:cNvSpPr>
-          <p:nvPr>
-            <p:ph type="subTitle" idx="1"/>
-          </p:nvPr>
-        </p:nvSpPr>
-        <p:spPr/>
-        <p:txBody>
-          <a:bodyPr/>
-          <a:lstStyle/>
-          <a:p>
-            <a:endParaRPr lang="en-US"/>
-          </a:p>
-        </p:txBody>
-      </p:sp>
+      <p:pic>
+        <p:nvPicPr>
+          <p:cNvPr id="7" name="Picture 6">
+            <a:extLst>
+              <a:ext uri="{FF2B5EF4-FFF2-40B4-BE49-F238E27FC236}">
+                <a16:creationId xmlns:a16="http://schemas.microsoft.com/office/drawing/2014/main" id="{DA4478C1-7487-4433-9097-DDFE4727FBC9}"/>
+              </a:ext>
+            </a:extLst>
+          </p:cNvPr>
+          <p:cNvPicPr>
+            <a:picLocks noChangeAspect="1"/>
+          </p:cNvPicPr>
+          <p:nvPr/>
+        </p:nvPicPr>
+        <p:blipFill>
+          <a:blip r:embed="rId2" cstate="print">
+            <a:extLst>
+              <a:ext uri="{28A0092B-C50C-407E-A947-70E740481C1C}">
+                <a14:useLocalDpi xmlns:a14="http://schemas.microsoft.com/office/drawing/2010/main" val="0"/>
+              </a:ext>
+            </a:extLst>
+          </a:blip>
+          <a:stretch>
+            <a:fillRect/>
+          </a:stretch>
+        </p:blipFill>
+        <p:spPr>
+          <a:xfrm>
+            <a:off x="697382" y="225213"/>
+            <a:ext cx="10797236" cy="5998464"/>
+          </a:xfrm>
+          <a:prstGeom prst="rect">
+            <a:avLst/>
+          </a:prstGeom>
+        </p:spPr>
+      </p:pic>
     </p:spTree>
     <p:extLst>
       <p:ext uri="{BB962C8B-B14F-4D97-AF65-F5344CB8AC3E}">
-        <p14:creationId xmlns:p14="http://schemas.microsoft.com/office/powerpoint/2010/main" val="3715738034"/>
+        <p14:creationId xmlns:p14="http://schemas.microsoft.com/office/powerpoint/2010/main" val="1655647824"/>
+      </p:ext>
+    </p:extLst>
+  </p:cSld>
+  <p:clrMapOvr>
+    <a:masterClrMapping/>
+  </p:clrMapOvr>
+</p:sld>
+</file>
+
+<file path=ppt/slides/slide4.xml><?xml version="1.0" encoding="utf-8"?>
+<p:sld xmlns:a="http://schemas.openxmlformats.org/drawingml/2006/main" xmlns:r="http://schemas.openxmlformats.org/officeDocument/2006/relationships" xmlns:p="http://schemas.openxmlformats.org/presentationml/2006/main">
+  <p:cSld>
+    <p:spTree>
+      <p:nvGrpSpPr>
+        <p:cNvPr id="1" name=""/>
+        <p:cNvGrpSpPr/>
+        <p:nvPr/>
+      </p:nvGrpSpPr>
+      <p:grpSpPr>
+        <a:xfrm>
+          <a:off x="0" y="0"/>
+          <a:ext cx="0" cy="0"/>
+          <a:chOff x="0" y="0"/>
+          <a:chExt cx="0" cy="0"/>
+        </a:xfrm>
+      </p:grpSpPr>
+      <p:pic>
+        <p:nvPicPr>
+          <p:cNvPr id="9" name="Picture 8">
+            <a:extLst>
+              <a:ext uri="{FF2B5EF4-FFF2-40B4-BE49-F238E27FC236}">
+                <a16:creationId xmlns:a16="http://schemas.microsoft.com/office/drawing/2014/main" id="{CF607EA5-F150-4BDE-92D9-A0767CD20910}"/>
+              </a:ext>
+            </a:extLst>
+          </p:cNvPr>
+          <p:cNvPicPr>
+            <a:picLocks noChangeAspect="1"/>
+          </p:cNvPicPr>
+          <p:nvPr/>
+        </p:nvPicPr>
+        <p:blipFill>
+          <a:blip r:embed="rId2" cstate="print">
+            <a:extLst>
+              <a:ext uri="{28A0092B-C50C-407E-A947-70E740481C1C}">
+                <a14:useLocalDpi xmlns:a14="http://schemas.microsoft.com/office/drawing/2010/main" val="0"/>
+              </a:ext>
+            </a:extLst>
+          </a:blip>
+          <a:stretch>
+            <a:fillRect/>
+          </a:stretch>
+        </p:blipFill>
+        <p:spPr>
+          <a:xfrm>
+            <a:off x="697382" y="216504"/>
+            <a:ext cx="10797236" cy="5998464"/>
+          </a:xfrm>
+          <a:prstGeom prst="rect">
+            <a:avLst/>
+          </a:prstGeom>
+        </p:spPr>
+      </p:pic>
+    </p:spTree>
+    <p:extLst>
+      <p:ext uri="{BB962C8B-B14F-4D97-AF65-F5344CB8AC3E}">
+        <p14:creationId xmlns:p14="http://schemas.microsoft.com/office/powerpoint/2010/main" val="3948763959"/>
       </p:ext>
     </p:extLst>
   </p:cSld>
